--- a/docs/Data Warehouse.pptx
+++ b/docs/Data Warehouse.pptx
@@ -6,7 +6,7 @@
     <p:sldMasterId id="2147483677" r:id="rId2"/>
   </p:sldMasterIdLst>
   <p:notesMasterIdLst>
-    <p:notesMasterId r:id="rId44"/>
+    <p:notesMasterId r:id="rId40"/>
   </p:notesMasterIdLst>
   <p:sldIdLst>
     <p:sldId id="260" r:id="rId3"/>
@@ -45,11 +45,7 @@
     <p:sldId id="345" r:id="rId36"/>
     <p:sldId id="338" r:id="rId37"/>
     <p:sldId id="346" r:id="rId38"/>
-    <p:sldId id="348" r:id="rId39"/>
-    <p:sldId id="347" r:id="rId40"/>
-    <p:sldId id="343" r:id="rId41"/>
-    <p:sldId id="332" r:id="rId42"/>
-    <p:sldId id="309" r:id="rId43"/>
+    <p:sldId id="309" r:id="rId39"/>
   </p:sldIdLst>
   <p:sldSz cx="16256000" cy="13004800"/>
   <p:notesSz cx="6858000" cy="9144000"/>
@@ -272,7 +268,7 @@
           <a:p>
             <a:fld id="{7D187D85-1DED-4CE8-A2CE-81B44B779688}" type="datetimeFigureOut">
               <a:rPr lang="en-CA" smtClean="0"/>
-              <a:t>19/11/2014</a:t>
+              <a:t>2015-03-22</a:t>
             </a:fld>
             <a:endParaRPr lang="en-CA"/>
           </a:p>
@@ -3750,7 +3746,7 @@
               </a14:hiddenEffects>
             </a:ext>
             <a:ext uri="{FAA26D3D-D897-4be2-8F04-BA451C77F1D7}">
-              <ma14:placeholderFlag xmlns:ma14="http://schemas.microsoft.com/office/mac/drawingml/2011/main" xmlns="" val="1"/>
+              <ma14:placeholderFlag xmlns="" xmlns:ma14="http://schemas.microsoft.com/office/mac/drawingml/2011/main" val="1"/>
             </a:ext>
           </a:extLst>
         </p:spPr>
@@ -4388,7 +4384,7 @@
               </a14:hiddenEffects>
             </a:ext>
             <a:ext uri="{FAA26D3D-D897-4be2-8F04-BA451C77F1D7}">
-              <ma14:placeholderFlag xmlns:ma14="http://schemas.microsoft.com/office/mac/drawingml/2011/main" xmlns="" val="1"/>
+              <ma14:placeholderFlag xmlns="" xmlns:ma14="http://schemas.microsoft.com/office/mac/drawingml/2011/main" val="1"/>
             </a:ext>
           </a:extLst>
         </p:spPr>
@@ -5713,7 +5709,11 @@
             </a:pPr>
             <a:r>
               <a:rPr lang="en-US" dirty="0" smtClean="0"/>
-              <a:t>Distinctive Features of DW</a:t>
+              <a:t>Distinctive </a:t>
+            </a:r>
+            <a:r>
+              <a:rPr lang="en-US" dirty="0" smtClean="0"/>
+              <a:t>Features of DW</a:t>
             </a:r>
             <a:endParaRPr lang="en-US" dirty="0"/>
           </a:p>
@@ -16363,7 +16363,23 @@
                   <a:schemeClr val="tx1"/>
                 </a:solidFill>
               </a:rPr>
-              <a:t>We have mandate to be open</a:t>
+              <a:t>We have </a:t>
+            </a:r>
+            <a:r>
+              <a:rPr lang="en-CA" sz="4800" dirty="0" smtClean="0">
+                <a:solidFill>
+                  <a:schemeClr val="tx1"/>
+                </a:solidFill>
+              </a:rPr>
+              <a:t>a mandate </a:t>
+            </a:r>
+            <a:r>
+              <a:rPr lang="en-CA" sz="4800" dirty="0" smtClean="0">
+                <a:solidFill>
+                  <a:schemeClr val="tx1"/>
+                </a:solidFill>
+              </a:rPr>
+              <a:t>to be open</a:t>
             </a:r>
           </a:p>
           <a:p>
@@ -16372,7 +16388,7 @@
               <a:buChar char="•"/>
             </a:pPr>
             <a:r>
-              <a:rPr lang="en-CA" sz="4800" strike="sngStrike" dirty="0">
+              <a:rPr lang="en-CA" sz="4800" dirty="0">
                 <a:solidFill>
                   <a:schemeClr val="tx1"/>
                 </a:solidFill>
@@ -16386,7 +16402,7 @@
               <a:buChar char="•"/>
             </a:pPr>
             <a:r>
-              <a:rPr lang="en-CA" sz="4800" strike="sngStrike" dirty="0" smtClean="0">
+              <a:rPr lang="en-CA" sz="4800" dirty="0" smtClean="0">
                 <a:solidFill>
                   <a:schemeClr val="tx1"/>
                 </a:solidFill>
@@ -16394,7 +16410,7 @@
               <a:t>With standards, we can </a:t>
             </a:r>
             <a:r>
-              <a:rPr lang="en-CA" sz="4800" strike="sngStrike" dirty="0">
+              <a:rPr lang="en-CA" sz="4800" dirty="0">
                 <a:solidFill>
                   <a:schemeClr val="tx1"/>
                 </a:solidFill>
@@ -16402,7 +16418,7 @@
               <a:t>work with </a:t>
             </a:r>
             <a:r>
-              <a:rPr lang="en-CA" sz="4800" strike="sngStrike" dirty="0" smtClean="0">
+              <a:rPr lang="en-CA" sz="4800" dirty="0" smtClean="0">
                 <a:solidFill>
                   <a:schemeClr val="tx1"/>
                 </a:solidFill>
@@ -16693,1549 +16709,16 @@
             </a:pPr>
             <a:r>
               <a:rPr lang="en-US" dirty="0" smtClean="0"/>
-              <a:t>Costs</a:t>
+              <a:t>The End</a:t>
             </a:r>
             <a:endParaRPr lang="en-US" dirty="0"/>
-          </a:p>
-        </p:txBody>
-      </p:sp>
-      <p:sp>
-        <p:nvSpPr>
-          <p:cNvPr id="2" name="TextBox 1"/>
-          <p:cNvSpPr txBox="1"/>
-          <p:nvPr/>
-        </p:nvSpPr>
-        <p:spPr>
-          <a:xfrm>
-            <a:off x="0" y="1778000"/>
-            <a:ext cx="16255999" cy="830997"/>
-          </a:xfrm>
-          <a:prstGeom prst="rect">
-            <a:avLst/>
-          </a:prstGeom>
-          <a:noFill/>
-        </p:spPr>
-        <p:txBody>
-          <a:bodyPr wrap="square" rtlCol="0">
-            <a:spAutoFit/>
-          </a:bodyPr>
-          <a:lstStyle/>
-          <a:p>
-            <a:pPr lvl="0"/>
-            <a:r>
-              <a:rPr lang="en-CA" sz="4800" b="1" dirty="0" smtClean="0"/>
-              <a:t>Data Warehouse as Abstraction</a:t>
-            </a:r>
-            <a:endParaRPr lang="en-CA" sz="4800" b="1" dirty="0"/>
-          </a:p>
-        </p:txBody>
-      </p:sp>
-      <p:sp>
-        <p:nvSpPr>
-          <p:cNvPr id="5" name="TextBox 4"/>
-          <p:cNvSpPr txBox="1"/>
-          <p:nvPr/>
-        </p:nvSpPr>
-        <p:spPr>
-          <a:xfrm>
-            <a:off x="1009649" y="2844800"/>
-            <a:ext cx="14027149" cy="1569660"/>
-          </a:xfrm>
-          <a:prstGeom prst="rect">
-            <a:avLst/>
-          </a:prstGeom>
-          <a:noFill/>
-        </p:spPr>
-        <p:txBody>
-          <a:bodyPr wrap="square" rtlCol="0">
-            <a:spAutoFit/>
-          </a:bodyPr>
-          <a:lstStyle/>
-          <a:p>
-            <a:pPr marL="685800" indent="-685800" algn="l">
-              <a:buFont typeface="Arial" panose="020B0604020202020204" pitchFamily="34" charset="0"/>
-              <a:buChar char="•"/>
-            </a:pPr>
-            <a:r>
-              <a:rPr lang="en-CA" sz="4800" dirty="0" smtClean="0">
-                <a:solidFill>
-                  <a:schemeClr val="tx1"/>
-                </a:solidFill>
-              </a:rPr>
-              <a:t>ETL is significant work</a:t>
-            </a:r>
-          </a:p>
-          <a:p>
-            <a:pPr marL="685800" indent="-685800" algn="l">
-              <a:buFont typeface="Arial" panose="020B0604020202020204" pitchFamily="34" charset="0"/>
-              <a:buChar char="•"/>
-            </a:pPr>
-            <a:r>
-              <a:rPr lang="en-CA" sz="4800" dirty="0" smtClean="0">
-                <a:solidFill>
-                  <a:schemeClr val="tx1"/>
-                </a:solidFill>
-              </a:rPr>
-              <a:t>Security model</a:t>
-            </a:r>
           </a:p>
         </p:txBody>
       </p:sp>
     </p:spTree>
     <p:extLst>
       <p:ext uri="{BB962C8B-B14F-4D97-AF65-F5344CB8AC3E}">
-        <p14:creationId xmlns:p14="http://schemas.microsoft.com/office/powerpoint/2010/main" val="3787011155"/>
-      </p:ext>
-    </p:extLst>
-  </p:cSld>
-  <p:clrMapOvr>
-    <a:masterClrMapping/>
-  </p:clrMapOvr>
-  <p:transition/>
-  <p:timing>
-    <p:tnLst>
-      <p:par>
-        <p:cTn id="1" dur="indefinite" restart="never" nodeType="tmRoot"/>
-      </p:par>
-    </p:tnLst>
-  </p:timing>
-</p:sld>
-</file>
-
-<file path=ppt/slides/slide38.xml><?xml version="1.0" encoding="utf-8"?>
-<p:sld xmlns:a="http://schemas.openxmlformats.org/drawingml/2006/main" xmlns:r="http://schemas.openxmlformats.org/officeDocument/2006/relationships" xmlns:p="http://schemas.openxmlformats.org/presentationml/2006/main">
-  <p:cSld>
-    <p:spTree>
-      <p:nvGrpSpPr>
-        <p:cNvPr id="1" name=""/>
-        <p:cNvGrpSpPr/>
-        <p:nvPr/>
-      </p:nvGrpSpPr>
-      <p:grpSpPr>
-        <a:xfrm>
-          <a:off x="0" y="0"/>
-          <a:ext cx="0" cy="0"/>
-          <a:chOff x="0" y="0"/>
-          <a:chExt cx="0" cy="0"/>
-        </a:xfrm>
-      </p:grpSpPr>
-      <p:sp>
-        <p:nvSpPr>
-          <p:cNvPr id="3" name="Title 2"/>
-          <p:cNvSpPr>
-            <a:spLocks noGrp="1"/>
-          </p:cNvSpPr>
-          <p:nvPr>
-            <p:ph type="title"/>
-          </p:nvPr>
-        </p:nvSpPr>
-        <p:spPr/>
-        <p:txBody>
-          <a:bodyPr/>
-          <a:lstStyle/>
-          <a:p>
-            <a:pPr>
-              <a:defRPr/>
-            </a:pPr>
-            <a:r>
-              <a:rPr lang="en-US" dirty="0" smtClean="0"/>
-              <a:t>Data Warehouse?</a:t>
-            </a:r>
-            <a:endParaRPr lang="en-US" dirty="0"/>
-          </a:p>
-        </p:txBody>
-      </p:sp>
-      <p:sp>
-        <p:nvSpPr>
-          <p:cNvPr id="2" name="TextBox 1"/>
-          <p:cNvSpPr txBox="1"/>
-          <p:nvPr/>
-        </p:nvSpPr>
-        <p:spPr>
-          <a:xfrm>
-            <a:off x="0" y="1778000"/>
-            <a:ext cx="16255999" cy="830997"/>
-          </a:xfrm>
-          <a:prstGeom prst="rect">
-            <a:avLst/>
-          </a:prstGeom>
-          <a:noFill/>
-        </p:spPr>
-        <p:txBody>
-          <a:bodyPr wrap="square" rtlCol="0">
-            <a:spAutoFit/>
-          </a:bodyPr>
-          <a:lstStyle/>
-          <a:p>
-            <a:pPr lvl="0"/>
-            <a:r>
-              <a:rPr lang="en-CA" sz="4800" b="1" dirty="0" smtClean="0"/>
-              <a:t>Existing Stack</a:t>
-            </a:r>
-            <a:endParaRPr lang="en-CA" sz="4800" b="1" dirty="0"/>
-          </a:p>
-        </p:txBody>
-      </p:sp>
-      <p:sp>
-        <p:nvSpPr>
-          <p:cNvPr id="4" name="Rounded Rectangle 3"/>
-          <p:cNvSpPr/>
-          <p:nvPr/>
-        </p:nvSpPr>
-        <p:spPr bwMode="auto">
-          <a:xfrm>
-            <a:off x="8928573" y="7721601"/>
-            <a:ext cx="2419252" cy="928707"/>
-          </a:xfrm>
-          <a:prstGeom prst="roundRect">
-            <a:avLst/>
-          </a:prstGeom>
-          <a:solidFill>
-            <a:srgbClr val="3A75A6"/>
-          </a:solidFill>
-          <a:ln w="88900">
-            <a:solidFill>
-              <a:srgbClr val="3A75A6"/>
-            </a:solidFill>
-          </a:ln>
-          <a:effectLst/>
-          <a:extLst/>
-        </p:spPr>
-        <p:txBody>
-          <a:bodyPr vert="horz" wrap="square" lIns="91440" tIns="45720" rIns="91440" bIns="45720" numCol="1" rtlCol="0" anchor="b" anchorCtr="0" compatLnSpc="1">
-            <a:prstTxWarp prst="textNoShape">
-              <a:avLst/>
-            </a:prstTxWarp>
-          </a:bodyPr>
-          <a:lstStyle/>
-          <a:p>
-            <a:pPr marL="0" marR="0" indent="0" algn="ctr" defTabSz="914400" rtl="0" eaLnBrk="1" fontAlgn="base" latinLnBrk="0" hangingPunct="1">
-              <a:lnSpc>
-                <a:spcPct val="100000"/>
-              </a:lnSpc>
-              <a:spcBef>
-                <a:spcPct val="0"/>
-              </a:spcBef>
-              <a:spcAft>
-                <a:spcPct val="0"/>
-              </a:spcAft>
-              <a:buClrTx/>
-              <a:buSzTx/>
-              <a:buFontTx/>
-              <a:buNone/>
-              <a:tabLst/>
-            </a:pPr>
-            <a:r>
-              <a:rPr lang="en-CA" sz="5400" dirty="0" smtClean="0">
-                <a:solidFill>
-                  <a:srgbClr val="FFDC52"/>
-                </a:solidFill>
-                <a:ea typeface="ヒラギノ角ゴ ProN W3" charset="0"/>
-                <a:cs typeface="ヒラギノ角ゴ ProN W3" charset="0"/>
-              </a:rPr>
-              <a:t>Q.py</a:t>
-            </a:r>
-            <a:endParaRPr kumimoji="0" lang="en-CA" sz="5400" b="0" i="0" u="none" strike="noStrike" cap="none" normalizeH="0" baseline="0" dirty="0">
-              <a:ln>
-                <a:noFill/>
-              </a:ln>
-              <a:solidFill>
-                <a:srgbClr val="FFDC52"/>
-              </a:solidFill>
-              <a:effectLst/>
-              <a:latin typeface="Open Sans" charset="0"/>
-              <a:ea typeface="ヒラギノ角ゴ ProN W3" charset="0"/>
-              <a:cs typeface="ヒラギノ角ゴ ProN W3" charset="0"/>
-              <a:sym typeface="Open Sans" charset="0"/>
-            </a:endParaRPr>
-          </a:p>
-        </p:txBody>
-      </p:sp>
-      <p:sp>
-        <p:nvSpPr>
-          <p:cNvPr id="12" name="Rounded Rectangle 11"/>
-          <p:cNvSpPr/>
-          <p:nvPr/>
-        </p:nvSpPr>
-        <p:spPr bwMode="auto">
-          <a:xfrm>
-            <a:off x="3371174" y="8916463"/>
-            <a:ext cx="3836556" cy="928707"/>
-          </a:xfrm>
-          <a:prstGeom prst="roundRect">
-            <a:avLst/>
-          </a:prstGeom>
-          <a:solidFill>
-            <a:srgbClr val="007C85"/>
-          </a:solidFill>
-          <a:ln w="88900">
-            <a:solidFill>
-              <a:srgbClr val="007C85"/>
-            </a:solidFill>
-          </a:ln>
-          <a:effectLst/>
-          <a:extLst/>
-        </p:spPr>
-        <p:txBody>
-          <a:bodyPr vert="horz" wrap="square" lIns="91440" tIns="45720" rIns="91440" bIns="45720" numCol="1" rtlCol="0" anchor="b" anchorCtr="0" compatLnSpc="1">
-            <a:prstTxWarp prst="textNoShape">
-              <a:avLst/>
-            </a:prstTxWarp>
-          </a:bodyPr>
-          <a:lstStyle/>
-          <a:p>
-            <a:pPr marL="0" marR="0" indent="0" algn="ctr" defTabSz="914400" rtl="0" eaLnBrk="1" fontAlgn="base" latinLnBrk="0" hangingPunct="1">
-              <a:lnSpc>
-                <a:spcPct val="100000"/>
-              </a:lnSpc>
-              <a:spcBef>
-                <a:spcPct val="0"/>
-              </a:spcBef>
-              <a:spcAft>
-                <a:spcPct val="0"/>
-              </a:spcAft>
-              <a:buClrTx/>
-              <a:buSzTx/>
-              <a:buFontTx/>
-              <a:buNone/>
-              <a:tabLst/>
-            </a:pPr>
-            <a:r>
-              <a:rPr kumimoji="0" lang="en-CA" sz="5400" b="0" i="0" u="none" strike="noStrike" cap="none" normalizeH="0" baseline="0" dirty="0" smtClean="0">
-                <a:ln>
-                  <a:noFill/>
-                </a:ln>
-                <a:solidFill>
-                  <a:schemeClr val="bg1"/>
-                </a:solidFill>
-                <a:effectLst/>
-                <a:latin typeface="Open Sans" charset="0"/>
-                <a:ea typeface="ヒラギノ角ゴ ProN W3" charset="0"/>
-                <a:cs typeface="ヒラギノ角ゴ ProN W3" charset="0"/>
-                <a:sym typeface="Open Sans" charset="0"/>
-              </a:rPr>
-              <a:t>ESQuery.js</a:t>
-            </a:r>
-            <a:endParaRPr kumimoji="0" lang="en-CA" sz="5400" b="0" i="0" u="none" strike="noStrike" cap="none" normalizeH="0" baseline="0" dirty="0">
-              <a:ln>
-                <a:noFill/>
-              </a:ln>
-              <a:solidFill>
-                <a:schemeClr val="bg1"/>
-              </a:solidFill>
-              <a:effectLst/>
-              <a:latin typeface="Open Sans" charset="0"/>
-              <a:ea typeface="ヒラギノ角ゴ ProN W3" charset="0"/>
-              <a:cs typeface="ヒラギノ角ゴ ProN W3" charset="0"/>
-              <a:sym typeface="Open Sans" charset="0"/>
-            </a:endParaRPr>
-          </a:p>
-        </p:txBody>
-      </p:sp>
-      <p:sp>
-        <p:nvSpPr>
-          <p:cNvPr id="9" name="Rounded Rectangle 8"/>
-          <p:cNvSpPr/>
-          <p:nvPr/>
-        </p:nvSpPr>
-        <p:spPr bwMode="auto">
-          <a:xfrm>
-            <a:off x="1117601" y="10845800"/>
-            <a:ext cx="6705600" cy="1447800"/>
-          </a:xfrm>
-          <a:prstGeom prst="roundRect">
-            <a:avLst>
-              <a:gd name="adj" fmla="val 13614"/>
-            </a:avLst>
-          </a:prstGeom>
-          <a:solidFill>
-            <a:srgbClr val="74B73F"/>
-          </a:solidFill>
-          <a:ln w="88900">
-            <a:solidFill>
-              <a:srgbClr val="74B73F"/>
-            </a:solidFill>
-          </a:ln>
-          <a:effectLst/>
-          <a:extLst/>
-        </p:spPr>
-        <p:txBody>
-          <a:bodyPr vert="horz" wrap="square" lIns="91440" tIns="45720" rIns="91440" bIns="45720" numCol="1" rtlCol="0" anchor="ctr" anchorCtr="0" compatLnSpc="1">
-            <a:prstTxWarp prst="textNoShape">
-              <a:avLst/>
-            </a:prstTxWarp>
-          </a:bodyPr>
-          <a:lstStyle/>
-          <a:p>
-            <a:pPr marL="0" marR="0" indent="0" algn="ctr" defTabSz="914400" rtl="0" eaLnBrk="1" fontAlgn="base" latinLnBrk="0" hangingPunct="1">
-              <a:lnSpc>
-                <a:spcPct val="100000"/>
-              </a:lnSpc>
-              <a:spcBef>
-                <a:spcPct val="0"/>
-              </a:spcBef>
-              <a:spcAft>
-                <a:spcPct val="0"/>
-              </a:spcAft>
-              <a:buClrTx/>
-              <a:buSzTx/>
-              <a:buFontTx/>
-              <a:buNone/>
-              <a:tabLst/>
-            </a:pPr>
-            <a:r>
-              <a:rPr kumimoji="0" lang="en-CA" sz="5600" b="0" i="0" u="none" strike="noStrike" cap="none" normalizeH="0" baseline="0" dirty="0" err="1" smtClean="0">
-                <a:ln>
-                  <a:noFill/>
-                </a:ln>
-                <a:solidFill>
-                  <a:schemeClr val="bg1"/>
-                </a:solidFill>
-                <a:effectLst/>
-                <a:latin typeface="Open Sans" charset="0"/>
-                <a:ea typeface="ヒラギノ角ゴ ProN W3" charset="0"/>
-                <a:cs typeface="ヒラギノ角ゴ ProN W3" charset="0"/>
-                <a:sym typeface="Open Sans" charset="0"/>
-              </a:rPr>
-              <a:t>ElasticSearch</a:t>
-            </a:r>
-            <a:endParaRPr kumimoji="0" lang="en-CA" sz="5600" b="0" i="0" u="none" strike="noStrike" cap="none" normalizeH="0" baseline="0" dirty="0">
-              <a:ln>
-                <a:noFill/>
-              </a:ln>
-              <a:solidFill>
-                <a:schemeClr val="bg1"/>
-              </a:solidFill>
-              <a:effectLst/>
-              <a:latin typeface="Open Sans" charset="0"/>
-              <a:ea typeface="ヒラギノ角ゴ ProN W3" charset="0"/>
-              <a:cs typeface="ヒラギノ角ゴ ProN W3" charset="0"/>
-              <a:sym typeface="Open Sans" charset="0"/>
-            </a:endParaRPr>
-          </a:p>
-        </p:txBody>
-      </p:sp>
-      <p:sp>
-        <p:nvSpPr>
-          <p:cNvPr id="16" name="Rounded Rectangle 15"/>
-          <p:cNvSpPr/>
-          <p:nvPr/>
-        </p:nvSpPr>
-        <p:spPr bwMode="auto">
-          <a:xfrm>
-            <a:off x="1117600" y="7721600"/>
-            <a:ext cx="4171852" cy="928707"/>
-          </a:xfrm>
-          <a:prstGeom prst="roundRect">
-            <a:avLst/>
-          </a:prstGeom>
-          <a:solidFill>
-            <a:srgbClr val="3A75A6"/>
-          </a:solidFill>
-          <a:ln w="88900">
-            <a:solidFill>
-              <a:srgbClr val="3A75A6"/>
-            </a:solidFill>
-          </a:ln>
-          <a:effectLst/>
-          <a:extLst/>
-        </p:spPr>
-        <p:txBody>
-          <a:bodyPr vert="horz" wrap="square" lIns="91440" tIns="45720" rIns="91440" bIns="45720" numCol="1" rtlCol="0" anchor="b" anchorCtr="0" compatLnSpc="1">
-            <a:prstTxWarp prst="textNoShape">
-              <a:avLst/>
-            </a:prstTxWarp>
-          </a:bodyPr>
-          <a:lstStyle/>
-          <a:p>
-            <a:pPr marL="0" marR="0" indent="0" algn="ctr" defTabSz="914400" rtl="0" eaLnBrk="1" fontAlgn="base" latinLnBrk="0" hangingPunct="1">
-              <a:lnSpc>
-                <a:spcPct val="100000"/>
-              </a:lnSpc>
-              <a:spcBef>
-                <a:spcPct val="0"/>
-              </a:spcBef>
-              <a:spcAft>
-                <a:spcPct val="0"/>
-              </a:spcAft>
-              <a:buClrTx/>
-              <a:buSzTx/>
-              <a:buFontTx/>
-              <a:buNone/>
-              <a:tabLst/>
-            </a:pPr>
-            <a:r>
-              <a:rPr lang="en-CA" sz="5400" dirty="0" smtClean="0">
-                <a:solidFill>
-                  <a:srgbClr val="FFDC52"/>
-                </a:solidFill>
-                <a:ea typeface="ヒラギノ角ゴ ProN W3" charset="0"/>
-                <a:cs typeface="ヒラギノ角ゴ ProN W3" charset="0"/>
-              </a:rPr>
-              <a:t>ESQuery.py</a:t>
-            </a:r>
-            <a:endParaRPr kumimoji="0" lang="en-CA" sz="5400" b="0" i="0" u="none" strike="noStrike" cap="none" normalizeH="0" baseline="0" dirty="0">
-              <a:ln>
-                <a:noFill/>
-              </a:ln>
-              <a:solidFill>
-                <a:srgbClr val="FFDC52"/>
-              </a:solidFill>
-              <a:effectLst/>
-              <a:latin typeface="Open Sans" charset="0"/>
-              <a:ea typeface="ヒラギノ角ゴ ProN W3" charset="0"/>
-              <a:cs typeface="ヒラギノ角ゴ ProN W3" charset="0"/>
-              <a:sym typeface="Open Sans" charset="0"/>
-            </a:endParaRPr>
-          </a:p>
-        </p:txBody>
-      </p:sp>
-      <p:sp>
-        <p:nvSpPr>
-          <p:cNvPr id="11" name="Rounded Rectangle 10"/>
-          <p:cNvSpPr/>
-          <p:nvPr/>
-        </p:nvSpPr>
-        <p:spPr bwMode="auto">
-          <a:xfrm>
-            <a:off x="11934038" y="7721602"/>
-            <a:ext cx="3276600" cy="2123568"/>
-          </a:xfrm>
-          <a:prstGeom prst="roundRect">
-            <a:avLst/>
-          </a:prstGeom>
-          <a:noFill/>
-          <a:ln w="88900">
-            <a:solidFill>
-              <a:schemeClr val="tx1"/>
-            </a:solidFill>
-          </a:ln>
-          <a:effectLst/>
-          <a:extLst/>
-        </p:spPr>
-        <p:txBody>
-          <a:bodyPr vert="horz" wrap="square" lIns="91440" tIns="45720" rIns="91440" bIns="45720" numCol="1" rtlCol="0" anchor="t" anchorCtr="0" compatLnSpc="1">
-            <a:prstTxWarp prst="textNoShape">
-              <a:avLst/>
-            </a:prstTxWarp>
-          </a:bodyPr>
-          <a:lstStyle/>
-          <a:p>
-            <a:pPr marL="0" marR="0" indent="0" algn="ctr" defTabSz="914400" rtl="0" eaLnBrk="1" fontAlgn="base" latinLnBrk="0" hangingPunct="1">
-              <a:lnSpc>
-                <a:spcPct val="100000"/>
-              </a:lnSpc>
-              <a:spcBef>
-                <a:spcPct val="0"/>
-              </a:spcBef>
-              <a:spcAft>
-                <a:spcPct val="0"/>
-              </a:spcAft>
-              <a:buClrTx/>
-              <a:buSzTx/>
-              <a:buFontTx/>
-              <a:buNone/>
-              <a:tabLst/>
-            </a:pPr>
-            <a:r>
-              <a:rPr kumimoji="0" lang="en-CA" sz="5400" b="0" i="0" u="none" strike="noStrike" cap="none" normalizeH="0" baseline="0" dirty="0" smtClean="0">
-                <a:ln>
-                  <a:noFill/>
-                </a:ln>
-                <a:solidFill>
-                  <a:srgbClr val="414141"/>
-                </a:solidFill>
-                <a:effectLst/>
-                <a:latin typeface="Open Sans" charset="0"/>
-                <a:ea typeface="ヒラギノ角ゴ ProN W3" charset="0"/>
-                <a:cs typeface="ヒラギノ角ゴ ProN W3" charset="0"/>
-                <a:sym typeface="Open Sans" charset="0"/>
-              </a:rPr>
-              <a:t>Local Memory</a:t>
-            </a:r>
-            <a:endParaRPr kumimoji="0" lang="en-CA" sz="5400" b="0" i="0" u="none" strike="noStrike" cap="none" normalizeH="0" baseline="0" dirty="0">
-              <a:ln>
-                <a:noFill/>
-              </a:ln>
-              <a:solidFill>
-                <a:srgbClr val="414141"/>
-              </a:solidFill>
-              <a:effectLst/>
-              <a:latin typeface="Open Sans" charset="0"/>
-              <a:ea typeface="ヒラギノ角ゴ ProN W3" charset="0"/>
-              <a:cs typeface="ヒラギノ角ゴ ProN W3" charset="0"/>
-              <a:sym typeface="Open Sans" charset="0"/>
-            </a:endParaRPr>
-          </a:p>
-        </p:txBody>
-      </p:sp>
-      <p:sp>
-        <p:nvSpPr>
-          <p:cNvPr id="17" name="Rounded Rectangle 16"/>
-          <p:cNvSpPr/>
-          <p:nvPr/>
-        </p:nvSpPr>
-        <p:spPr bwMode="auto">
-          <a:xfrm>
-            <a:off x="7487789" y="8916462"/>
-            <a:ext cx="2419252" cy="928707"/>
-          </a:xfrm>
-          <a:prstGeom prst="roundRect">
-            <a:avLst/>
-          </a:prstGeom>
-          <a:solidFill>
-            <a:srgbClr val="007C85"/>
-          </a:solidFill>
-          <a:ln w="88900">
-            <a:solidFill>
-              <a:srgbClr val="007C85"/>
-            </a:solidFill>
-          </a:ln>
-          <a:effectLst/>
-          <a:extLst/>
-        </p:spPr>
-        <p:txBody>
-          <a:bodyPr vert="horz" wrap="square" lIns="91440" tIns="45720" rIns="91440" bIns="45720" numCol="1" rtlCol="0" anchor="b" anchorCtr="0" compatLnSpc="1">
-            <a:prstTxWarp prst="textNoShape">
-              <a:avLst/>
-            </a:prstTxWarp>
-          </a:bodyPr>
-          <a:lstStyle/>
-          <a:p>
-            <a:pPr marL="0" marR="0" indent="0" algn="ctr" defTabSz="914400" rtl="0" eaLnBrk="1" fontAlgn="base" latinLnBrk="0" hangingPunct="1">
-              <a:lnSpc>
-                <a:spcPct val="100000"/>
-              </a:lnSpc>
-              <a:spcBef>
-                <a:spcPct val="0"/>
-              </a:spcBef>
-              <a:spcAft>
-                <a:spcPct val="0"/>
-              </a:spcAft>
-              <a:buClrTx/>
-              <a:buSzTx/>
-              <a:buFontTx/>
-              <a:buNone/>
-              <a:tabLst/>
-            </a:pPr>
-            <a:r>
-              <a:rPr lang="en-CA" sz="5400" dirty="0" smtClean="0">
-                <a:solidFill>
-                  <a:schemeClr val="bg1"/>
-                </a:solidFill>
-                <a:ea typeface="ヒラギノ角ゴ ProN W3" charset="0"/>
-                <a:cs typeface="ヒラギノ角ゴ ProN W3" charset="0"/>
-              </a:rPr>
-              <a:t>Qb</a:t>
-            </a:r>
-            <a:r>
-              <a:rPr kumimoji="0" lang="en-CA" sz="5400" b="0" i="0" u="none" strike="noStrike" cap="none" normalizeH="0" baseline="0" dirty="0" smtClean="0">
-                <a:ln>
-                  <a:noFill/>
-                </a:ln>
-                <a:solidFill>
-                  <a:schemeClr val="bg1"/>
-                </a:solidFill>
-                <a:effectLst/>
-                <a:latin typeface="Open Sans" charset="0"/>
-                <a:ea typeface="ヒラギノ角ゴ ProN W3" charset="0"/>
-                <a:cs typeface="ヒラギノ角ゴ ProN W3" charset="0"/>
-                <a:sym typeface="Open Sans" charset="0"/>
-              </a:rPr>
-              <a:t>.js</a:t>
-            </a:r>
-            <a:endParaRPr kumimoji="0" lang="en-CA" sz="5400" b="0" i="0" u="none" strike="noStrike" cap="none" normalizeH="0" baseline="0" dirty="0">
-              <a:ln>
-                <a:noFill/>
-              </a:ln>
-              <a:solidFill>
-                <a:schemeClr val="bg1"/>
-              </a:solidFill>
-              <a:effectLst/>
-              <a:latin typeface="Open Sans" charset="0"/>
-              <a:ea typeface="ヒラギノ角ゴ ProN W3" charset="0"/>
-              <a:cs typeface="ヒラギノ角ゴ ProN W3" charset="0"/>
-              <a:sym typeface="Open Sans" charset="0"/>
-            </a:endParaRPr>
-          </a:p>
-        </p:txBody>
-      </p:sp>
-      <p:cxnSp>
-        <p:nvCxnSpPr>
-          <p:cNvPr id="20" name="Straight Arrow Connector 19"/>
-          <p:cNvCxnSpPr>
-            <a:stCxn id="12" idx="2"/>
-          </p:cNvCxnSpPr>
-          <p:nvPr/>
-        </p:nvCxnSpPr>
-        <p:spPr bwMode="auto">
-          <a:xfrm>
-            <a:off x="5289452" y="9845170"/>
-            <a:ext cx="0" cy="1000630"/>
-          </a:xfrm>
-          <a:prstGeom prst="straightConnector1">
-            <a:avLst/>
-          </a:prstGeom>
-          <a:solidFill>
-            <a:srgbClr val="6C7472"/>
-          </a:solidFill>
-          <a:ln w="88900" cap="flat" cmpd="sng" algn="ctr">
-            <a:solidFill>
-              <a:srgbClr val="000000"/>
-            </a:solidFill>
-            <a:prstDash val="solid"/>
-            <a:round/>
-            <a:headEnd type="none" w="med" len="med"/>
-            <a:tailEnd type="arrow" w="med" len="med"/>
-          </a:ln>
-          <a:effectLst/>
-          <a:extLst>
-            <a:ext uri="{AF507438-7753-43E0-B8FC-AC1667EBCBE1}">
-              <a14:hiddenEffects xmlns:a14="http://schemas.microsoft.com/office/drawing/2010/main">
-                <a:effectLst>
-                  <a:outerShdw blurRad="63500" dist="38099" dir="2700000" algn="ctr" rotWithShape="0">
-                    <a:schemeClr val="bg2">
-                      <a:alpha val="74998"/>
-                    </a:schemeClr>
-                  </a:outerShdw>
-                </a:effectLst>
-              </a14:hiddenEffects>
-            </a:ext>
-          </a:extLst>
-        </p:spPr>
-      </p:cxnSp>
-      <p:cxnSp>
-        <p:nvCxnSpPr>
-          <p:cNvPr id="24" name="Straight Arrow Connector 23"/>
-          <p:cNvCxnSpPr/>
-          <p:nvPr/>
-        </p:nvCxnSpPr>
-        <p:spPr bwMode="auto">
-          <a:xfrm>
-            <a:off x="2489200" y="8650308"/>
-            <a:ext cx="0" cy="2195492"/>
-          </a:xfrm>
-          <a:prstGeom prst="straightConnector1">
-            <a:avLst/>
-          </a:prstGeom>
-          <a:solidFill>
-            <a:srgbClr val="6C7472"/>
-          </a:solidFill>
-          <a:ln w="88900" cap="flat" cmpd="sng" algn="ctr">
-            <a:solidFill>
-              <a:srgbClr val="000000"/>
-            </a:solidFill>
-            <a:prstDash val="solid"/>
-            <a:round/>
-            <a:headEnd type="none" w="med" len="med"/>
-            <a:tailEnd type="arrow" w="med" len="med"/>
-          </a:ln>
-          <a:effectLst/>
-          <a:extLst>
-            <a:ext uri="{AF507438-7753-43E0-B8FC-AC1667EBCBE1}">
-              <a14:hiddenEffects xmlns:a14="http://schemas.microsoft.com/office/drawing/2010/main">
-                <a:effectLst>
-                  <a:outerShdw blurRad="63500" dist="38099" dir="2700000" algn="ctr" rotWithShape="0">
-                    <a:schemeClr val="bg2">
-                      <a:alpha val="74998"/>
-                    </a:schemeClr>
-                  </a:outerShdw>
-                </a:effectLst>
-              </a14:hiddenEffects>
-            </a:ext>
-          </a:extLst>
-        </p:spPr>
-      </p:cxnSp>
-      <p:cxnSp>
-        <p:nvCxnSpPr>
-          <p:cNvPr id="27" name="Straight Arrow Connector 26"/>
-          <p:cNvCxnSpPr>
-            <a:stCxn id="4" idx="3"/>
-          </p:cNvCxnSpPr>
-          <p:nvPr/>
-        </p:nvCxnSpPr>
-        <p:spPr bwMode="auto">
-          <a:xfrm>
-            <a:off x="11347825" y="8185955"/>
-            <a:ext cx="586213" cy="0"/>
-          </a:xfrm>
-          <a:prstGeom prst="straightConnector1">
-            <a:avLst/>
-          </a:prstGeom>
-          <a:solidFill>
-            <a:srgbClr val="6C7472"/>
-          </a:solidFill>
-          <a:ln w="88900" cap="flat" cmpd="sng" algn="ctr">
-            <a:solidFill>
-              <a:srgbClr val="000000"/>
-            </a:solidFill>
-            <a:prstDash val="solid"/>
-            <a:round/>
-            <a:headEnd type="none" w="med" len="med"/>
-            <a:tailEnd type="arrow" w="med" len="med"/>
-          </a:ln>
-          <a:effectLst/>
-          <a:extLst>
-            <a:ext uri="{AF507438-7753-43E0-B8FC-AC1667EBCBE1}">
-              <a14:hiddenEffects xmlns:a14="http://schemas.microsoft.com/office/drawing/2010/main">
-                <a:effectLst>
-                  <a:outerShdw blurRad="63500" dist="38099" dir="2700000" algn="ctr" rotWithShape="0">
-                    <a:schemeClr val="bg2">
-                      <a:alpha val="74998"/>
-                    </a:schemeClr>
-                  </a:outerShdw>
-                </a:effectLst>
-              </a14:hiddenEffects>
-            </a:ext>
-          </a:extLst>
-        </p:spPr>
-      </p:cxnSp>
-      <p:cxnSp>
-        <p:nvCxnSpPr>
-          <p:cNvPr id="30" name="Straight Arrow Connector 29"/>
-          <p:cNvCxnSpPr>
-            <a:stCxn id="17" idx="3"/>
-          </p:cNvCxnSpPr>
-          <p:nvPr/>
-        </p:nvCxnSpPr>
-        <p:spPr bwMode="auto">
-          <a:xfrm>
-            <a:off x="9907041" y="9380816"/>
-            <a:ext cx="2026997" cy="0"/>
-          </a:xfrm>
-          <a:prstGeom prst="straightConnector1">
-            <a:avLst/>
-          </a:prstGeom>
-          <a:solidFill>
-            <a:srgbClr val="6C7472"/>
-          </a:solidFill>
-          <a:ln w="88900" cap="flat" cmpd="sng" algn="ctr">
-            <a:solidFill>
-              <a:srgbClr val="000000"/>
-            </a:solidFill>
-            <a:prstDash val="solid"/>
-            <a:round/>
-            <a:headEnd type="none" w="med" len="med"/>
-            <a:tailEnd type="arrow" w="med" len="med"/>
-          </a:ln>
-          <a:effectLst/>
-          <a:extLst>
-            <a:ext uri="{AF507438-7753-43E0-B8FC-AC1667EBCBE1}">
-              <a14:hiddenEffects xmlns:a14="http://schemas.microsoft.com/office/drawing/2010/main">
-                <a:effectLst>
-                  <a:outerShdw blurRad="63500" dist="38099" dir="2700000" algn="ctr" rotWithShape="0">
-                    <a:schemeClr val="bg2">
-                      <a:alpha val="74998"/>
-                    </a:schemeClr>
-                  </a:outerShdw>
-                </a:effectLst>
-              </a14:hiddenEffects>
-            </a:ext>
-          </a:extLst>
-        </p:spPr>
-      </p:cxnSp>
-      <p:cxnSp>
-        <p:nvCxnSpPr>
-          <p:cNvPr id="33" name="Straight Arrow Connector 32"/>
-          <p:cNvCxnSpPr>
-            <a:endCxn id="54" idx="1"/>
-          </p:cNvCxnSpPr>
-          <p:nvPr/>
-        </p:nvCxnSpPr>
-        <p:spPr bwMode="auto">
-          <a:xfrm>
-            <a:off x="1117600" y="6350000"/>
-            <a:ext cx="12951379" cy="0"/>
-          </a:xfrm>
-          <a:prstGeom prst="straightConnector1">
-            <a:avLst/>
-          </a:prstGeom>
-          <a:solidFill>
-            <a:srgbClr val="6C7472"/>
-          </a:solidFill>
-          <a:ln w="88900" cap="flat" cmpd="sng" algn="ctr">
-            <a:solidFill>
-              <a:srgbClr val="000000"/>
-            </a:solidFill>
-            <a:prstDash val="solid"/>
-            <a:round/>
-            <a:headEnd type="none" w="med" len="med"/>
-            <a:tailEnd type="none" w="med" len="med"/>
-          </a:ln>
-          <a:effectLst/>
-          <a:extLst>
-            <a:ext uri="{AF507438-7753-43E0-B8FC-AC1667EBCBE1}">
-              <a14:hiddenEffects xmlns:a14="http://schemas.microsoft.com/office/drawing/2010/main">
-                <a:effectLst>
-                  <a:outerShdw blurRad="63500" dist="38099" dir="2700000" algn="ctr" rotWithShape="0">
-                    <a:schemeClr val="bg2">
-                      <a:alpha val="74998"/>
-                    </a:schemeClr>
-                  </a:outerShdw>
-                </a:effectLst>
-              </a14:hiddenEffects>
-            </a:ext>
-          </a:extLst>
-        </p:spPr>
-      </p:cxnSp>
-      <p:cxnSp>
-        <p:nvCxnSpPr>
-          <p:cNvPr id="42" name="Straight Arrow Connector 41"/>
-          <p:cNvCxnSpPr/>
-          <p:nvPr/>
-        </p:nvCxnSpPr>
-        <p:spPr bwMode="auto">
-          <a:xfrm>
-            <a:off x="6299200" y="6350000"/>
-            <a:ext cx="0" cy="2566462"/>
-          </a:xfrm>
-          <a:prstGeom prst="straightConnector1">
-            <a:avLst/>
-          </a:prstGeom>
-          <a:solidFill>
-            <a:srgbClr val="6C7472"/>
-          </a:solidFill>
-          <a:ln w="88900" cap="flat" cmpd="sng" algn="ctr">
-            <a:solidFill>
-              <a:srgbClr val="000000"/>
-            </a:solidFill>
-            <a:prstDash val="solid"/>
-            <a:round/>
-            <a:headEnd type="none" w="med" len="med"/>
-            <a:tailEnd type="arrow" w="med" len="med"/>
-          </a:ln>
-          <a:effectLst/>
-          <a:extLst>
-            <a:ext uri="{AF507438-7753-43E0-B8FC-AC1667EBCBE1}">
-              <a14:hiddenEffects xmlns:a14="http://schemas.microsoft.com/office/drawing/2010/main">
-                <a:effectLst>
-                  <a:outerShdw blurRad="63500" dist="38099" dir="2700000" algn="ctr" rotWithShape="0">
-                    <a:schemeClr val="bg2">
-                      <a:alpha val="74998"/>
-                    </a:schemeClr>
-                  </a:outerShdw>
-                </a:effectLst>
-              </a14:hiddenEffects>
-            </a:ext>
-          </a:extLst>
-        </p:spPr>
-      </p:cxnSp>
-      <p:cxnSp>
-        <p:nvCxnSpPr>
-          <p:cNvPr id="45" name="Straight Arrow Connector 44"/>
-          <p:cNvCxnSpPr>
-            <a:endCxn id="16" idx="0"/>
-          </p:cNvCxnSpPr>
-          <p:nvPr/>
-        </p:nvCxnSpPr>
-        <p:spPr bwMode="auto">
-          <a:xfrm>
-            <a:off x="3203526" y="6350000"/>
-            <a:ext cx="0" cy="1371600"/>
-          </a:xfrm>
-          <a:prstGeom prst="straightConnector1">
-            <a:avLst/>
-          </a:prstGeom>
-          <a:solidFill>
-            <a:srgbClr val="6C7472"/>
-          </a:solidFill>
-          <a:ln w="88900" cap="flat" cmpd="sng" algn="ctr">
-            <a:solidFill>
-              <a:srgbClr val="000000"/>
-            </a:solidFill>
-            <a:prstDash val="solid"/>
-            <a:round/>
-            <a:headEnd type="none" w="med" len="med"/>
-            <a:tailEnd type="arrow" w="med" len="med"/>
-          </a:ln>
-          <a:effectLst/>
-          <a:extLst>
-            <a:ext uri="{AF507438-7753-43E0-B8FC-AC1667EBCBE1}">
-              <a14:hiddenEffects xmlns:a14="http://schemas.microsoft.com/office/drawing/2010/main">
-                <a:effectLst>
-                  <a:outerShdw blurRad="63500" dist="38099" dir="2700000" algn="ctr" rotWithShape="0">
-                    <a:schemeClr val="bg2">
-                      <a:alpha val="74998"/>
-                    </a:schemeClr>
-                  </a:outerShdw>
-                </a:effectLst>
-              </a14:hiddenEffects>
-            </a:ext>
-          </a:extLst>
-        </p:spPr>
-      </p:cxnSp>
-      <p:cxnSp>
-        <p:nvCxnSpPr>
-          <p:cNvPr id="48" name="Straight Arrow Connector 47"/>
-          <p:cNvCxnSpPr/>
-          <p:nvPr/>
-        </p:nvCxnSpPr>
-        <p:spPr bwMode="auto">
-          <a:xfrm flipH="1">
-            <a:off x="8164119" y="6350000"/>
-            <a:ext cx="1" cy="2566463"/>
-          </a:xfrm>
-          <a:prstGeom prst="straightConnector1">
-            <a:avLst/>
-          </a:prstGeom>
-          <a:solidFill>
-            <a:srgbClr val="6C7472"/>
-          </a:solidFill>
-          <a:ln w="88900" cap="flat" cmpd="sng" algn="ctr">
-            <a:solidFill>
-              <a:srgbClr val="000000"/>
-            </a:solidFill>
-            <a:prstDash val="solid"/>
-            <a:round/>
-            <a:headEnd type="none" w="med" len="med"/>
-            <a:tailEnd type="arrow" w="med" len="med"/>
-          </a:ln>
-          <a:effectLst/>
-          <a:extLst>
-            <a:ext uri="{AF507438-7753-43E0-B8FC-AC1667EBCBE1}">
-              <a14:hiddenEffects xmlns:a14="http://schemas.microsoft.com/office/drawing/2010/main">
-                <a:effectLst>
-                  <a:outerShdw blurRad="63500" dist="38099" dir="2700000" algn="ctr" rotWithShape="0">
-                    <a:schemeClr val="bg2">
-                      <a:alpha val="74998"/>
-                    </a:schemeClr>
-                  </a:outerShdw>
-                </a:effectLst>
-              </a14:hiddenEffects>
-            </a:ext>
-          </a:extLst>
-        </p:spPr>
-      </p:cxnSp>
-      <p:cxnSp>
-        <p:nvCxnSpPr>
-          <p:cNvPr id="51" name="Straight Arrow Connector 50"/>
-          <p:cNvCxnSpPr>
-            <a:endCxn id="4" idx="0"/>
-          </p:cNvCxnSpPr>
-          <p:nvPr/>
-        </p:nvCxnSpPr>
-        <p:spPr bwMode="auto">
-          <a:xfrm flipH="1">
-            <a:off x="10138199" y="6350000"/>
-            <a:ext cx="1" cy="1371601"/>
-          </a:xfrm>
-          <a:prstGeom prst="straightConnector1">
-            <a:avLst/>
-          </a:prstGeom>
-          <a:solidFill>
-            <a:srgbClr val="6C7472"/>
-          </a:solidFill>
-          <a:ln w="88900" cap="flat" cmpd="sng" algn="ctr">
-            <a:solidFill>
-              <a:srgbClr val="000000"/>
-            </a:solidFill>
-            <a:prstDash val="solid"/>
-            <a:round/>
-            <a:headEnd type="none" w="med" len="med"/>
-            <a:tailEnd type="arrow" w="med" len="med"/>
-          </a:ln>
-          <a:effectLst/>
-          <a:extLst>
-            <a:ext uri="{AF507438-7753-43E0-B8FC-AC1667EBCBE1}">
-              <a14:hiddenEffects xmlns:a14="http://schemas.microsoft.com/office/drawing/2010/main">
-                <a:effectLst>
-                  <a:outerShdw blurRad="63500" dist="38099" dir="2700000" algn="ctr" rotWithShape="0">
-                    <a:schemeClr val="bg2">
-                      <a:alpha val="74998"/>
-                    </a:schemeClr>
-                  </a:outerShdw>
-                </a:effectLst>
-              </a14:hiddenEffects>
-            </a:ext>
-          </a:extLst>
-        </p:spPr>
-      </p:cxnSp>
-      <p:sp>
-        <p:nvSpPr>
-          <p:cNvPr id="54" name="TextBox 53"/>
-          <p:cNvSpPr txBox="1"/>
-          <p:nvPr/>
-        </p:nvSpPr>
-        <p:spPr>
-          <a:xfrm>
-            <a:off x="14068979" y="5872946"/>
-            <a:ext cx="1141659" cy="954107"/>
-          </a:xfrm>
-          <a:prstGeom prst="rect">
-            <a:avLst/>
-          </a:prstGeom>
-          <a:noFill/>
-        </p:spPr>
-        <p:txBody>
-          <a:bodyPr wrap="none" rtlCol="0">
-            <a:spAutoFit/>
-          </a:bodyPr>
-          <a:lstStyle/>
-          <a:p>
-            <a:r>
-              <a:rPr lang="en-CA" dirty="0" err="1" smtClean="0"/>
-              <a:t>Qb</a:t>
-            </a:r>
-            <a:endParaRPr lang="en-CA" dirty="0"/>
-          </a:p>
-        </p:txBody>
-      </p:sp>
-      <p:cxnSp>
-        <p:nvCxnSpPr>
-          <p:cNvPr id="56" name="Straight Arrow Connector 55"/>
-          <p:cNvCxnSpPr>
-            <a:endCxn id="57" idx="1"/>
-          </p:cNvCxnSpPr>
-          <p:nvPr/>
-        </p:nvCxnSpPr>
-        <p:spPr bwMode="auto">
-          <a:xfrm>
-            <a:off x="1117600" y="4426560"/>
-            <a:ext cx="11035791" cy="1"/>
-          </a:xfrm>
-          <a:prstGeom prst="straightConnector1">
-            <a:avLst/>
-          </a:prstGeom>
-          <a:solidFill>
-            <a:srgbClr val="6C7472"/>
-          </a:solidFill>
-          <a:ln w="88900" cap="flat" cmpd="sng" algn="ctr">
-            <a:solidFill>
-              <a:srgbClr val="000000"/>
-            </a:solidFill>
-            <a:prstDash val="solid"/>
-            <a:round/>
-            <a:headEnd type="none" w="med" len="med"/>
-            <a:tailEnd type="none" w="med" len="med"/>
-          </a:ln>
-          <a:effectLst/>
-          <a:extLst>
-            <a:ext uri="{AF507438-7753-43E0-B8FC-AC1667EBCBE1}">
-              <a14:hiddenEffects xmlns:a14="http://schemas.microsoft.com/office/drawing/2010/main">
-                <a:effectLst>
-                  <a:outerShdw blurRad="63500" dist="38099" dir="2700000" algn="ctr" rotWithShape="0">
-                    <a:schemeClr val="bg2">
-                      <a:alpha val="74998"/>
-                    </a:schemeClr>
-                  </a:outerShdw>
-                </a:effectLst>
-              </a14:hiddenEffects>
-            </a:ext>
-          </a:extLst>
-        </p:spPr>
-      </p:cxnSp>
-      <p:sp>
-        <p:nvSpPr>
-          <p:cNvPr id="57" name="TextBox 56"/>
-          <p:cNvSpPr txBox="1"/>
-          <p:nvPr/>
-        </p:nvSpPr>
-        <p:spPr>
-          <a:xfrm>
-            <a:off x="12153391" y="3949507"/>
-            <a:ext cx="3057247" cy="954107"/>
-          </a:xfrm>
-          <a:prstGeom prst="rect">
-            <a:avLst/>
-          </a:prstGeom>
-          <a:noFill/>
-        </p:spPr>
-        <p:txBody>
-          <a:bodyPr wrap="none" rtlCol="0">
-            <a:spAutoFit/>
-          </a:bodyPr>
-          <a:lstStyle/>
-          <a:p>
-            <a:r>
-              <a:rPr lang="en-CA" dirty="0" smtClean="0"/>
-              <a:t>aChart.js</a:t>
-            </a:r>
-            <a:endParaRPr lang="en-CA" dirty="0"/>
-          </a:p>
-        </p:txBody>
-      </p:sp>
-    </p:spTree>
-    <p:extLst>
-      <p:ext uri="{BB962C8B-B14F-4D97-AF65-F5344CB8AC3E}">
-        <p14:creationId xmlns:p14="http://schemas.microsoft.com/office/powerpoint/2010/main" val="2646550614"/>
-      </p:ext>
-    </p:extLst>
-  </p:cSld>
-  <p:clrMapOvr>
-    <a:masterClrMapping/>
-  </p:clrMapOvr>
-  <p:transition/>
-  <p:timing>
-    <p:tnLst>
-      <p:par>
-        <p:cTn id="1" dur="indefinite" restart="never" nodeType="tmRoot"/>
-      </p:par>
-    </p:tnLst>
-  </p:timing>
-</p:sld>
-</file>
-
-<file path=ppt/slides/slide39.xml><?xml version="1.0" encoding="utf-8"?>
-<p:sld xmlns:a="http://schemas.openxmlformats.org/drawingml/2006/main" xmlns:r="http://schemas.openxmlformats.org/officeDocument/2006/relationships" xmlns:p="http://schemas.openxmlformats.org/presentationml/2006/main">
-  <p:cSld>
-    <p:bg>
-      <p:bgPr>
-        <a:solidFill>
-          <a:schemeClr val="bg1"/>
-        </a:solidFill>
-        <a:effectLst/>
-      </p:bgPr>
-    </p:bg>
-    <p:spTree>
-      <p:nvGrpSpPr>
-        <p:cNvPr id="1" name=""/>
-        <p:cNvGrpSpPr/>
-        <p:nvPr/>
-      </p:nvGrpSpPr>
-      <p:grpSpPr>
-        <a:xfrm>
-          <a:off x="0" y="0"/>
-          <a:ext cx="0" cy="0"/>
-          <a:chOff x="0" y="0"/>
-          <a:chExt cx="0" cy="0"/>
-        </a:xfrm>
-      </p:grpSpPr>
-      <p:sp>
-        <p:nvSpPr>
-          <p:cNvPr id="3" name="Title 2"/>
-          <p:cNvSpPr>
-            <a:spLocks noGrp="1"/>
-          </p:cNvSpPr>
-          <p:nvPr>
-            <p:ph type="title"/>
-          </p:nvPr>
-        </p:nvSpPr>
-        <p:spPr/>
-        <p:txBody>
-          <a:bodyPr/>
-          <a:lstStyle/>
-          <a:p>
-            <a:pPr>
-              <a:defRPr/>
-            </a:pPr>
-            <a:r>
-              <a:rPr lang="en-US" dirty="0" smtClean="0"/>
-              <a:t>Data Warehouse?</a:t>
-            </a:r>
-            <a:endParaRPr lang="en-US" dirty="0"/>
-          </a:p>
-        </p:txBody>
-      </p:sp>
-      <p:sp>
-        <p:nvSpPr>
-          <p:cNvPr id="2" name="Oval 1"/>
-          <p:cNvSpPr/>
-          <p:nvPr/>
-        </p:nvSpPr>
-        <p:spPr bwMode="auto">
-          <a:xfrm>
-            <a:off x="4394200" y="4521200"/>
-            <a:ext cx="7200000" cy="7200000"/>
-          </a:xfrm>
-          <a:prstGeom prst="ellipse">
-            <a:avLst/>
-          </a:prstGeom>
-          <a:noFill/>
-          <a:ln w="88900" cap="flat" cmpd="sng" algn="ctr">
-            <a:solidFill>
-              <a:srgbClr val="000000"/>
-            </a:solidFill>
-            <a:prstDash val="solid"/>
-            <a:round/>
-            <a:headEnd type="none" w="med" len="med"/>
-            <a:tailEnd type="none" w="med" len="med"/>
-          </a:ln>
-          <a:effectLst/>
-          <a:extLst/>
-        </p:spPr>
-        <p:txBody>
-          <a:bodyPr vert="horz" wrap="square" lIns="91440" tIns="45720" rIns="91440" bIns="45720" numCol="1" rtlCol="0" anchor="t" anchorCtr="0" compatLnSpc="1">
-            <a:prstTxWarp prst="textNoShape">
-              <a:avLst/>
-            </a:prstTxWarp>
-          </a:bodyPr>
-          <a:lstStyle/>
-          <a:p>
-            <a:pPr marL="0" marR="0" indent="0" algn="ctr" defTabSz="914400" rtl="0" eaLnBrk="1" fontAlgn="base" latinLnBrk="0" hangingPunct="1">
-              <a:lnSpc>
-                <a:spcPct val="100000"/>
-              </a:lnSpc>
-              <a:spcBef>
-                <a:spcPct val="0"/>
-              </a:spcBef>
-              <a:spcAft>
-                <a:spcPct val="0"/>
-              </a:spcAft>
-              <a:buClrTx/>
-              <a:buSzTx/>
-              <a:buFontTx/>
-              <a:buNone/>
-              <a:tabLst/>
-            </a:pPr>
-            <a:endParaRPr kumimoji="0" lang="en-CA" sz="5600" b="0" i="0" u="none" strike="noStrike" cap="none" normalizeH="0" baseline="0">
-              <a:ln>
-                <a:noFill/>
-              </a:ln>
-              <a:solidFill>
-                <a:srgbClr val="414141"/>
-              </a:solidFill>
-              <a:effectLst/>
-              <a:latin typeface="Open Sans" charset="0"/>
-              <a:ea typeface="ヒラギノ角ゴ ProN W3" charset="0"/>
-              <a:cs typeface="ヒラギノ角ゴ ProN W3" charset="0"/>
-              <a:sym typeface="Open Sans" charset="0"/>
-            </a:endParaRPr>
-          </a:p>
-        </p:txBody>
-      </p:sp>
-      <p:sp>
-        <p:nvSpPr>
-          <p:cNvPr id="5" name="Oval 4"/>
-          <p:cNvSpPr/>
-          <p:nvPr/>
-        </p:nvSpPr>
-        <p:spPr bwMode="auto">
-          <a:xfrm>
-            <a:off x="5294200" y="5421200"/>
-            <a:ext cx="5400000" cy="5400000"/>
-          </a:xfrm>
-          <a:prstGeom prst="ellipse">
-            <a:avLst/>
-          </a:prstGeom>
-          <a:noFill/>
-          <a:ln w="88900" cap="flat" cmpd="sng" algn="ctr">
-            <a:solidFill>
-              <a:srgbClr val="000000"/>
-            </a:solidFill>
-            <a:prstDash val="solid"/>
-            <a:round/>
-            <a:headEnd type="none" w="med" len="med"/>
-            <a:tailEnd type="none" w="med" len="med"/>
-          </a:ln>
-          <a:effectLst/>
-          <a:extLst/>
-        </p:spPr>
-        <p:txBody>
-          <a:bodyPr vert="horz" wrap="square" lIns="91440" tIns="45720" rIns="91440" bIns="45720" numCol="1" rtlCol="0" anchor="t" anchorCtr="0" compatLnSpc="1">
-            <a:prstTxWarp prst="textNoShape">
-              <a:avLst/>
-            </a:prstTxWarp>
-          </a:bodyPr>
-          <a:lstStyle/>
-          <a:p>
-            <a:pPr marL="0" marR="0" indent="0" algn="ctr" defTabSz="914400" rtl="0" eaLnBrk="1" fontAlgn="base" latinLnBrk="0" hangingPunct="1">
-              <a:lnSpc>
-                <a:spcPct val="100000"/>
-              </a:lnSpc>
-              <a:spcBef>
-                <a:spcPct val="0"/>
-              </a:spcBef>
-              <a:spcAft>
-                <a:spcPct val="0"/>
-              </a:spcAft>
-              <a:buClrTx/>
-              <a:buSzTx/>
-              <a:buFontTx/>
-              <a:buNone/>
-              <a:tabLst/>
-            </a:pPr>
-            <a:endParaRPr kumimoji="0" lang="en-CA" sz="5600" b="0" i="0" u="none" strike="noStrike" cap="none" normalizeH="0" baseline="0">
-              <a:ln>
-                <a:noFill/>
-              </a:ln>
-              <a:solidFill>
-                <a:srgbClr val="414141"/>
-              </a:solidFill>
-              <a:effectLst/>
-              <a:latin typeface="Open Sans" charset="0"/>
-              <a:ea typeface="ヒラギノ角ゴ ProN W3" charset="0"/>
-              <a:cs typeface="ヒラギノ角ゴ ProN W3" charset="0"/>
-              <a:sym typeface="Open Sans" charset="0"/>
-            </a:endParaRPr>
-          </a:p>
-        </p:txBody>
-      </p:sp>
-      <p:cxnSp>
-        <p:nvCxnSpPr>
-          <p:cNvPr id="7" name="Straight Connector 6"/>
-          <p:cNvCxnSpPr>
-            <a:stCxn id="2" idx="3"/>
-            <a:endCxn id="2" idx="7"/>
-          </p:cNvCxnSpPr>
-          <p:nvPr/>
-        </p:nvCxnSpPr>
-        <p:spPr bwMode="auto">
-          <a:xfrm flipV="1">
-            <a:off x="5448616" y="5575616"/>
-            <a:ext cx="5091168" cy="5091168"/>
-          </a:xfrm>
-          <a:prstGeom prst="line">
-            <a:avLst/>
-          </a:prstGeom>
-          <a:solidFill>
-            <a:srgbClr val="6C7472"/>
-          </a:solidFill>
-          <a:ln w="88900" cap="flat" cmpd="sng" algn="ctr">
-            <a:solidFill>
-              <a:srgbClr val="000000"/>
-            </a:solidFill>
-            <a:prstDash val="solid"/>
-            <a:round/>
-            <a:headEnd type="none" w="med" len="med"/>
-            <a:tailEnd type="none" w="med" len="med"/>
-          </a:ln>
-          <a:effectLst/>
-          <a:extLst>
-            <a:ext uri="{AF507438-7753-43E0-B8FC-AC1667EBCBE1}">
-              <a14:hiddenEffects xmlns:a14="http://schemas.microsoft.com/office/drawing/2010/main">
-                <a:effectLst>
-                  <a:outerShdw blurRad="63500" dist="38099" dir="2700000" algn="ctr" rotWithShape="0">
-                    <a:schemeClr val="bg2">
-                      <a:alpha val="74998"/>
-                    </a:schemeClr>
-                  </a:outerShdw>
-                </a:effectLst>
-              </a14:hiddenEffects>
-            </a:ext>
-          </a:extLst>
-        </p:spPr>
-      </p:cxnSp>
-      <p:cxnSp>
-        <p:nvCxnSpPr>
-          <p:cNvPr id="13" name="Straight Connector 12"/>
-          <p:cNvCxnSpPr>
-            <a:stCxn id="2" idx="1"/>
-            <a:endCxn id="2" idx="5"/>
-          </p:cNvCxnSpPr>
-          <p:nvPr/>
-        </p:nvCxnSpPr>
-        <p:spPr bwMode="auto">
-          <a:xfrm>
-            <a:off x="5448616" y="5575616"/>
-            <a:ext cx="5091168" cy="5091168"/>
-          </a:xfrm>
-          <a:prstGeom prst="line">
-            <a:avLst/>
-          </a:prstGeom>
-          <a:solidFill>
-            <a:srgbClr val="6C7472"/>
-          </a:solidFill>
-          <a:ln w="88900" cap="flat" cmpd="sng" algn="ctr">
-            <a:solidFill>
-              <a:srgbClr val="000000"/>
-            </a:solidFill>
-            <a:prstDash val="solid"/>
-            <a:round/>
-            <a:headEnd type="none" w="med" len="med"/>
-            <a:tailEnd type="none" w="med" len="med"/>
-          </a:ln>
-          <a:effectLst/>
-          <a:extLst>
-            <a:ext uri="{AF507438-7753-43E0-B8FC-AC1667EBCBE1}">
-              <a14:hiddenEffects xmlns:a14="http://schemas.microsoft.com/office/drawing/2010/main">
-                <a:effectLst>
-                  <a:outerShdw blurRad="63500" dist="38099" dir="2700000" algn="ctr" rotWithShape="0">
-                    <a:schemeClr val="bg2">
-                      <a:alpha val="74998"/>
-                    </a:schemeClr>
-                  </a:outerShdw>
-                </a:effectLst>
-              </a14:hiddenEffects>
-            </a:ext>
-          </a:extLst>
-        </p:spPr>
-      </p:cxnSp>
-      <p:sp>
-        <p:nvSpPr>
-          <p:cNvPr id="16" name="Rectangle 15"/>
-          <p:cNvSpPr/>
-          <p:nvPr/>
-        </p:nvSpPr>
-        <p:spPr>
-          <a:xfrm rot="16200000">
-            <a:off x="3022600" y="8121200"/>
-            <a:ext cx="3506024" cy="923330"/>
-          </a:xfrm>
-          <a:prstGeom prst="rect">
-            <a:avLst/>
-          </a:prstGeom>
-          <a:noFill/>
-        </p:spPr>
-        <p:txBody>
-          <a:bodyPr wrap="none" lIns="91440" tIns="45720" rIns="91440" bIns="45720">
-            <a:spAutoFit/>
-            <a:scene3d>
-              <a:camera prst="orthographicFront">
-                <a:rot lat="0" lon="0" rev="0"/>
-              </a:camera>
-              <a:lightRig rig="threePt" dir="t"/>
-            </a:scene3d>
-            <a:sp3d/>
-          </a:bodyPr>
-          <a:lstStyle/>
-          <a:p>
-            <a:pPr algn="ctr"/>
-            <a:r>
-              <a:rPr lang="en-US" sz="5400" b="1" cap="none" spc="0" dirty="0" smtClean="0">
-                <a:ln w="12700">
-                  <a:solidFill>
-                    <a:schemeClr val="tx2">
-                      <a:satMod val="155000"/>
-                    </a:schemeClr>
-                  </a:solidFill>
-                  <a:prstDash val="solid"/>
-                </a:ln>
-                <a:solidFill>
-                  <a:schemeClr val="bg2">
-                    <a:tint val="85000"/>
-                    <a:satMod val="155000"/>
-                  </a:schemeClr>
-                </a:solidFill>
-                <a:effectLst>
-                  <a:outerShdw blurRad="41275" dist="20320" dir="1800000" algn="tl" rotWithShape="0">
-                    <a:srgbClr val="000000">
-                      <a:alpha val="40000"/>
-                    </a:srgbClr>
-                  </a:outerShdw>
-                </a:effectLst>
-              </a:rPr>
-              <a:t>Query API</a:t>
-            </a:r>
-            <a:endParaRPr lang="en-US" sz="5400" b="1" cap="none" spc="0" dirty="0">
-              <a:ln w="12700">
-                <a:solidFill>
-                  <a:schemeClr val="tx2">
-                    <a:satMod val="155000"/>
-                  </a:schemeClr>
-                </a:solidFill>
-                <a:prstDash val="solid"/>
-              </a:ln>
-              <a:solidFill>
-                <a:schemeClr val="bg2">
-                  <a:tint val="85000"/>
-                  <a:satMod val="155000"/>
-                </a:schemeClr>
-              </a:solidFill>
-              <a:effectLst>
-                <a:outerShdw blurRad="41275" dist="20320" dir="1800000" algn="tl" rotWithShape="0">
-                  <a:srgbClr val="000000">
-                    <a:alpha val="40000"/>
-                  </a:srgbClr>
-                </a:outerShdw>
-              </a:effectLst>
-            </a:endParaRPr>
-          </a:p>
-        </p:txBody>
-      </p:sp>
-    </p:spTree>
-    <p:extLst>
-      <p:ext uri="{BB962C8B-B14F-4D97-AF65-F5344CB8AC3E}">
-        <p14:creationId xmlns:p14="http://schemas.microsoft.com/office/powerpoint/2010/main" val="1279910811"/>
+        <p14:creationId xmlns:p14="http://schemas.microsoft.com/office/powerpoint/2010/main" val="3733209112"/>
       </p:ext>
     </p:extLst>
   </p:cSld>
@@ -18806,176 +17289,6 @@
     <p:extLst>
       <p:ext uri="{BB962C8B-B14F-4D97-AF65-F5344CB8AC3E}">
         <p14:creationId xmlns:p14="http://schemas.microsoft.com/office/powerpoint/2010/main" val="2881199980"/>
-      </p:ext>
-    </p:extLst>
-  </p:cSld>
-  <p:clrMapOvr>
-    <a:masterClrMapping/>
-  </p:clrMapOvr>
-  <p:transition/>
-  <p:timing>
-    <p:tnLst>
-      <p:par>
-        <p:cTn id="1" dur="indefinite" restart="never" nodeType="tmRoot"/>
-      </p:par>
-    </p:tnLst>
-  </p:timing>
-</p:sld>
-</file>
-
-<file path=ppt/slides/slide40.xml><?xml version="1.0" encoding="utf-8"?>
-<p:sld xmlns:a="http://schemas.openxmlformats.org/drawingml/2006/main" xmlns:r="http://schemas.openxmlformats.org/officeDocument/2006/relationships" xmlns:p="http://schemas.openxmlformats.org/presentationml/2006/main">
-  <p:cSld>
-    <p:spTree>
-      <p:nvGrpSpPr>
-        <p:cNvPr id="1" name=""/>
-        <p:cNvGrpSpPr/>
-        <p:nvPr/>
-      </p:nvGrpSpPr>
-      <p:grpSpPr>
-        <a:xfrm>
-          <a:off x="0" y="0"/>
-          <a:ext cx="0" cy="0"/>
-          <a:chOff x="0" y="0"/>
-          <a:chExt cx="0" cy="0"/>
-        </a:xfrm>
-      </p:grpSpPr>
-      <p:sp>
-        <p:nvSpPr>
-          <p:cNvPr id="3" name="Title 2"/>
-          <p:cNvSpPr>
-            <a:spLocks noGrp="1"/>
-          </p:cNvSpPr>
-          <p:nvPr>
-            <p:ph type="title"/>
-          </p:nvPr>
-        </p:nvSpPr>
-        <p:spPr/>
-        <p:txBody>
-          <a:bodyPr/>
-          <a:lstStyle/>
-          <a:p>
-            <a:pPr>
-              <a:defRPr/>
-            </a:pPr>
-            <a:r>
-              <a:rPr lang="en-US" dirty="0" smtClean="0"/>
-              <a:t>Beyond Data Warehousing</a:t>
-            </a:r>
-            <a:endParaRPr lang="en-US" dirty="0"/>
-          </a:p>
-        </p:txBody>
-      </p:sp>
-      <p:sp>
-        <p:nvSpPr>
-          <p:cNvPr id="6" name="TextBox 5"/>
-          <p:cNvSpPr txBox="1"/>
-          <p:nvPr/>
-        </p:nvSpPr>
-        <p:spPr>
-          <a:xfrm>
-            <a:off x="1035048" y="2387600"/>
-            <a:ext cx="14027149" cy="830997"/>
-          </a:xfrm>
-          <a:prstGeom prst="rect">
-            <a:avLst/>
-          </a:prstGeom>
-          <a:noFill/>
-        </p:spPr>
-        <p:txBody>
-          <a:bodyPr wrap="square" rtlCol="0">
-            <a:spAutoFit/>
-          </a:bodyPr>
-          <a:lstStyle/>
-          <a:p>
-            <a:pPr marL="685800" lvl="0" indent="-685800" algn="l">
-              <a:buFont typeface="Arial" panose="020B0604020202020204" pitchFamily="34" charset="0"/>
-              <a:buChar char="•"/>
-            </a:pPr>
-            <a:r>
-              <a:rPr lang="en-CA" sz="4800" dirty="0" smtClean="0">
-                <a:solidFill>
-                  <a:schemeClr val="tx1"/>
-                </a:solidFill>
-              </a:rPr>
-              <a:t>Hierarchal database (no) are free</a:t>
-            </a:r>
-            <a:endParaRPr lang="en-CA" sz="4800" dirty="0">
-              <a:solidFill>
-                <a:schemeClr val="tx1"/>
-              </a:solidFill>
-            </a:endParaRPr>
-          </a:p>
-        </p:txBody>
-      </p:sp>
-    </p:spTree>
-    <p:extLst>
-      <p:ext uri="{BB962C8B-B14F-4D97-AF65-F5344CB8AC3E}">
-        <p14:creationId xmlns:p14="http://schemas.microsoft.com/office/powerpoint/2010/main" val="3045573473"/>
-      </p:ext>
-    </p:extLst>
-  </p:cSld>
-  <p:clrMapOvr>
-    <a:masterClrMapping/>
-  </p:clrMapOvr>
-  <p:transition/>
-  <p:timing>
-    <p:tnLst>
-      <p:par>
-        <p:cTn id="1" dur="indefinite" restart="never" nodeType="tmRoot"/>
-      </p:par>
-    </p:tnLst>
-  </p:timing>
-</p:sld>
-</file>
-
-<file path=ppt/slides/slide41.xml><?xml version="1.0" encoding="utf-8"?>
-<p:sld xmlns:a="http://schemas.openxmlformats.org/drawingml/2006/main" xmlns:r="http://schemas.openxmlformats.org/officeDocument/2006/relationships" xmlns:p="http://schemas.openxmlformats.org/presentationml/2006/main">
-  <p:cSld>
-    <p:spTree>
-      <p:nvGrpSpPr>
-        <p:cNvPr id="1" name=""/>
-        <p:cNvGrpSpPr/>
-        <p:nvPr/>
-      </p:nvGrpSpPr>
-      <p:grpSpPr>
-        <a:xfrm>
-          <a:off x="0" y="0"/>
-          <a:ext cx="0" cy="0"/>
-          <a:chOff x="0" y="0"/>
-          <a:chExt cx="0" cy="0"/>
-        </a:xfrm>
-      </p:grpSpPr>
-      <p:sp>
-        <p:nvSpPr>
-          <p:cNvPr id="3" name="Title 2"/>
-          <p:cNvSpPr>
-            <a:spLocks noGrp="1"/>
-          </p:cNvSpPr>
-          <p:nvPr>
-            <p:ph type="title"/>
-          </p:nvPr>
-        </p:nvSpPr>
-        <p:spPr/>
-        <p:txBody>
-          <a:bodyPr/>
-          <a:lstStyle/>
-          <a:p>
-            <a:pPr>
-              <a:defRPr/>
-            </a:pPr>
-            <a:r>
-              <a:rPr lang="en-US" dirty="0" smtClean="0"/>
-              <a:t>The End</a:t>
-            </a:r>
-            <a:endParaRPr lang="en-US" dirty="0"/>
-          </a:p>
-        </p:txBody>
-      </p:sp>
-    </p:spTree>
-    <p:extLst>
-      <p:ext uri="{BB962C8B-B14F-4D97-AF65-F5344CB8AC3E}">
-        <p14:creationId xmlns:p14="http://schemas.microsoft.com/office/powerpoint/2010/main" val="3733209112"/>
       </p:ext>
     </p:extLst>
   </p:cSld>
